--- a/docs/songs/mighty name of jesus.pptx
+++ b/docs/songs/mighty name of jesus.pptx
@@ -10,8 +10,11 @@
     <p:sldId id="1028" r:id="rId4"/>
     <p:sldId id="1029" r:id="rId5"/>
     <p:sldId id="1030" r:id="rId6"/>
-    <p:sldId id="1031" r:id="rId7"/>
-    <p:sldId id="1032" r:id="rId8"/>
+    <p:sldId id="1412" r:id="rId7"/>
+    <p:sldId id="1031" r:id="rId8"/>
+    <p:sldId id="1413" r:id="rId9"/>
+    <p:sldId id="1414" r:id="rId10"/>
+    <p:sldId id="1415" r:id="rId11"/>
   </p:sldIdLst>
   <p:sldSz cx="9144000" cy="6858000" type="screen4x3"/>
   <p:notesSz cx="6858000" cy="9144000"/>
@@ -311,7 +314,7 @@
             <a:fld id="{26EA1CF3-4A15-4CBF-9A5A-6A56C368BE71}" type="datetimeFigureOut">
               <a:rPr lang="en-GB" smtClean="0"/>
               <a:pPr/>
-              <a:t>30/03/2025</a:t>
+              <a:t>13/10/2025</a:t>
             </a:fld>
             <a:endParaRPr lang="en-GB"/>
           </a:p>
@@ -478,7 +481,7 @@
             <a:fld id="{26EA1CF3-4A15-4CBF-9A5A-6A56C368BE71}" type="datetimeFigureOut">
               <a:rPr lang="en-GB" smtClean="0"/>
               <a:pPr/>
-              <a:t>30/03/2025</a:t>
+              <a:t>13/10/2025</a:t>
             </a:fld>
             <a:endParaRPr lang="en-GB"/>
           </a:p>
@@ -655,7 +658,7 @@
             <a:fld id="{26EA1CF3-4A15-4CBF-9A5A-6A56C368BE71}" type="datetimeFigureOut">
               <a:rPr lang="en-GB" smtClean="0"/>
               <a:pPr/>
-              <a:t>30/03/2025</a:t>
+              <a:t>13/10/2025</a:t>
             </a:fld>
             <a:endParaRPr lang="en-GB"/>
           </a:p>
@@ -822,7 +825,7 @@
             <a:fld id="{26EA1CF3-4A15-4CBF-9A5A-6A56C368BE71}" type="datetimeFigureOut">
               <a:rPr lang="en-GB" smtClean="0"/>
               <a:pPr/>
-              <a:t>30/03/2025</a:t>
+              <a:t>13/10/2025</a:t>
             </a:fld>
             <a:endParaRPr lang="en-GB"/>
           </a:p>
@@ -1065,7 +1068,7 @@
             <a:fld id="{26EA1CF3-4A15-4CBF-9A5A-6A56C368BE71}" type="datetimeFigureOut">
               <a:rPr lang="en-GB" smtClean="0"/>
               <a:pPr/>
-              <a:t>30/03/2025</a:t>
+              <a:t>13/10/2025</a:t>
             </a:fld>
             <a:endParaRPr lang="en-GB"/>
           </a:p>
@@ -1350,7 +1353,7 @@
             <a:fld id="{26EA1CF3-4A15-4CBF-9A5A-6A56C368BE71}" type="datetimeFigureOut">
               <a:rPr lang="en-GB" smtClean="0"/>
               <a:pPr/>
-              <a:t>30/03/2025</a:t>
+              <a:t>13/10/2025</a:t>
             </a:fld>
             <a:endParaRPr lang="en-GB"/>
           </a:p>
@@ -1769,7 +1772,7 @@
             <a:fld id="{26EA1CF3-4A15-4CBF-9A5A-6A56C368BE71}" type="datetimeFigureOut">
               <a:rPr lang="en-GB" smtClean="0"/>
               <a:pPr/>
-              <a:t>30/03/2025</a:t>
+              <a:t>13/10/2025</a:t>
             </a:fld>
             <a:endParaRPr lang="en-GB"/>
           </a:p>
@@ -1884,7 +1887,7 @@
             <a:fld id="{26EA1CF3-4A15-4CBF-9A5A-6A56C368BE71}" type="datetimeFigureOut">
               <a:rPr lang="en-GB" smtClean="0"/>
               <a:pPr/>
-              <a:t>30/03/2025</a:t>
+              <a:t>13/10/2025</a:t>
             </a:fld>
             <a:endParaRPr lang="en-GB"/>
           </a:p>
@@ -1976,7 +1979,7 @@
             <a:fld id="{26EA1CF3-4A15-4CBF-9A5A-6A56C368BE71}" type="datetimeFigureOut">
               <a:rPr lang="en-GB" smtClean="0"/>
               <a:pPr/>
-              <a:t>30/03/2025</a:t>
+              <a:t>13/10/2025</a:t>
             </a:fld>
             <a:endParaRPr lang="en-GB"/>
           </a:p>
@@ -2250,7 +2253,7 @@
             <a:fld id="{26EA1CF3-4A15-4CBF-9A5A-6A56C368BE71}" type="datetimeFigureOut">
               <a:rPr lang="en-GB" smtClean="0"/>
               <a:pPr/>
-              <a:t>30/03/2025</a:t>
+              <a:t>13/10/2025</a:t>
             </a:fld>
             <a:endParaRPr lang="en-GB"/>
           </a:p>
@@ -2500,7 +2503,7 @@
             <a:fld id="{26EA1CF3-4A15-4CBF-9A5A-6A56C368BE71}" type="datetimeFigureOut">
               <a:rPr lang="en-GB" smtClean="0"/>
               <a:pPr/>
-              <a:t>30/03/2025</a:t>
+              <a:t>13/10/2025</a:t>
             </a:fld>
             <a:endParaRPr lang="en-GB"/>
           </a:p>
@@ -2713,7 +2716,7 @@
             <a:fld id="{26EA1CF3-4A15-4CBF-9A5A-6A56C368BE71}" type="datetimeFigureOut">
               <a:rPr lang="en-GB" smtClean="0"/>
               <a:pPr/>
-              <a:t>30/03/2025</a:t>
+              <a:t>13/10/2025</a:t>
             </a:fld>
             <a:endParaRPr lang="en-GB"/>
           </a:p>
@@ -3212,6 +3215,175 @@
 </p:sld>
 </file>
 
+<file path=ppt/slides/slide10.xml><?xml version="1.0" encoding="utf-8"?>
+<p:sld xmlns:a="http://schemas.openxmlformats.org/drawingml/2006/main" xmlns:r="http://schemas.openxmlformats.org/officeDocument/2006/relationships" xmlns:p="http://schemas.openxmlformats.org/presentationml/2006/main">
+  <p:cSld>
+    <p:spTree>
+      <p:nvGrpSpPr>
+        <p:cNvPr id="1" name="">
+          <a:extLst>
+            <a:ext uri="{FF2B5EF4-FFF2-40B4-BE49-F238E27FC236}">
+              <a16:creationId xmlns:a16="http://schemas.microsoft.com/office/drawing/2014/main" id="{ED3211B8-B811-56AD-E3AF-C301D232B1C7}"/>
+            </a:ext>
+          </a:extLst>
+        </p:cNvPr>
+        <p:cNvGrpSpPr/>
+        <p:nvPr/>
+      </p:nvGrpSpPr>
+      <p:grpSpPr>
+        <a:xfrm>
+          <a:off x="0" y="0"/>
+          <a:ext cx="0" cy="0"/>
+          <a:chOff x="0" y="0"/>
+          <a:chExt cx="0" cy="0"/>
+        </a:xfrm>
+      </p:grpSpPr>
+      <p:sp>
+        <p:nvSpPr>
+          <p:cNvPr id="3" name="Subtitle 2">
+            <a:extLst>
+              <a:ext uri="{FF2B5EF4-FFF2-40B4-BE49-F238E27FC236}">
+                <a16:creationId xmlns:a16="http://schemas.microsoft.com/office/drawing/2014/main" id="{61B637A0-4CF9-A227-B1F7-BDEF6BE70D33}"/>
+              </a:ext>
+            </a:extLst>
+          </p:cNvPr>
+          <p:cNvSpPr>
+            <a:spLocks noGrp="1"/>
+          </p:cNvSpPr>
+          <p:nvPr>
+            <p:ph type="subTitle" idx="1"/>
+          </p:nvPr>
+        </p:nvSpPr>
+        <p:spPr>
+          <a:xfrm>
+            <a:off x="107504" y="764704"/>
+            <a:ext cx="8640960" cy="6480720"/>
+          </a:xfrm>
+        </p:spPr>
+        <p:txBody>
+          <a:bodyPr>
+            <a:noAutofit/>
+          </a:bodyPr>
+          <a:lstStyle/>
+          <a:p>
+            <a:r>
+              <a:rPr lang="en-GB" sz="3600" dirty="0">
+                <a:solidFill>
+                  <a:schemeClr val="bg1"/>
+                </a:solidFill>
+              </a:rPr>
+              <a:t>In the mighty name of Jesus, I know</a:t>
+            </a:r>
+          </a:p>
+          <a:p>
+            <a:r>
+              <a:rPr lang="en-GB" sz="3600" dirty="0">
+                <a:solidFill>
+                  <a:schemeClr val="bg1"/>
+                </a:solidFill>
+              </a:rPr>
+              <a:t>All the power of fear and darkness must go</a:t>
+            </a:r>
+          </a:p>
+          <a:p>
+            <a:r>
+              <a:rPr lang="en-GB" sz="3600" dirty="0" err="1">
+                <a:solidFill>
+                  <a:schemeClr val="bg1"/>
+                </a:solidFill>
+              </a:rPr>
+              <a:t>'Cause</a:t>
+            </a:r>
+            <a:r>
+              <a:rPr lang="en-GB" sz="3600" dirty="0">
+                <a:solidFill>
+                  <a:schemeClr val="bg1"/>
+                </a:solidFill>
+              </a:rPr>
+              <a:t> every key to every victory I hold</a:t>
+            </a:r>
+          </a:p>
+          <a:p>
+            <a:r>
+              <a:rPr lang="en-GB" sz="3600" dirty="0">
+                <a:solidFill>
+                  <a:schemeClr val="bg1"/>
+                </a:solidFill>
+              </a:rPr>
+              <a:t>In the mighty name of Jesus</a:t>
+            </a:r>
+          </a:p>
+          <a:p>
+            <a:r>
+              <a:rPr lang="en-GB" sz="3600" dirty="0">
+                <a:solidFill>
+                  <a:schemeClr val="bg1"/>
+                </a:solidFill>
+              </a:rPr>
+              <a:t>In the mighty name of Jesus</a:t>
+            </a:r>
+          </a:p>
+          <a:p>
+            <a:endParaRPr lang="en-GB" sz="3600" dirty="0">
+              <a:solidFill>
+                <a:schemeClr val="bg1"/>
+              </a:solidFill>
+            </a:endParaRPr>
+          </a:p>
+        </p:txBody>
+      </p:sp>
+      <p:sp>
+        <p:nvSpPr>
+          <p:cNvPr id="4" name="TextBox 3">
+            <a:extLst>
+              <a:ext uri="{FF2B5EF4-FFF2-40B4-BE49-F238E27FC236}">
+                <a16:creationId xmlns:a16="http://schemas.microsoft.com/office/drawing/2014/main" id="{3CED3CCF-2350-4FE4-7CF9-288A185E7556}"/>
+              </a:ext>
+            </a:extLst>
+          </p:cNvPr>
+          <p:cNvSpPr txBox="1"/>
+          <p:nvPr/>
+        </p:nvSpPr>
+        <p:spPr>
+          <a:xfrm>
+            <a:off x="8529729" y="0"/>
+            <a:ext cx="628698" cy="461665"/>
+          </a:xfrm>
+          <a:prstGeom prst="rect">
+            <a:avLst/>
+          </a:prstGeom>
+          <a:noFill/>
+        </p:spPr>
+        <p:txBody>
+          <a:bodyPr wrap="none" rtlCol="0">
+            <a:spAutoFit/>
+          </a:bodyPr>
+          <a:lstStyle/>
+          <a:p>
+            <a:r>
+              <a:rPr lang="en-GB" sz="2400" b="1" dirty="0">
+                <a:solidFill>
+                  <a:schemeClr val="bg1"/>
+                </a:solidFill>
+              </a:rPr>
+              <a:t>9/9</a:t>
+            </a:r>
+          </a:p>
+        </p:txBody>
+      </p:sp>
+    </p:spTree>
+    <p:extLst>
+      <p:ext uri="{BB962C8B-B14F-4D97-AF65-F5344CB8AC3E}">
+        <p14:creationId xmlns:p14="http://schemas.microsoft.com/office/powerpoint/2010/main" val="344845980"/>
+      </p:ext>
+    </p:extLst>
+  </p:cSld>
+  <p:clrMapOvr>
+    <a:masterClrMapping/>
+  </p:clrMapOvr>
+</p:sld>
+</file>
+
 <file path=ppt/slides/slide2.xml><?xml version="1.0" encoding="utf-8"?>
 <p:sld xmlns:a="http://schemas.openxmlformats.org/drawingml/2006/main" xmlns:r="http://schemas.openxmlformats.org/officeDocument/2006/relationships" xmlns:p="http://schemas.openxmlformats.org/presentationml/2006/main">
   <p:cSld>
@@ -3340,7 +3512,7 @@
                   <a:schemeClr val="bg1"/>
                 </a:solidFill>
               </a:rPr>
-              <a:t>1/6</a:t>
+              <a:t>1/9</a:t>
             </a:r>
           </a:p>
         </p:txBody>
@@ -3466,7 +3638,7 @@
                   <a:schemeClr val="bg1"/>
                 </a:solidFill>
               </a:rPr>
-              <a:t>2/6</a:t>
+              <a:t>2/9</a:t>
             </a:r>
           </a:p>
         </p:txBody>
@@ -3612,7 +3784,7 @@
                   <a:schemeClr val="bg1"/>
                 </a:solidFill>
               </a:rPr>
-              <a:t>3/6</a:t>
+              <a:t>3/9</a:t>
             </a:r>
           </a:p>
         </p:txBody>
@@ -3719,66 +3891,6 @@
               </a:rPr>
               <a:t>In the mighty name of Jesus</a:t>
             </a:r>
-            <a:br>
-              <a:rPr lang="en-GB" sz="3600" dirty="0">
-                <a:solidFill>
-                  <a:schemeClr val="bg1"/>
-                </a:solidFill>
-              </a:rPr>
-            </a:br>
-            <a:endParaRPr lang="en-GB" sz="3600" dirty="0">
-              <a:solidFill>
-                <a:schemeClr val="bg1"/>
-              </a:solidFill>
-            </a:endParaRPr>
-          </a:p>
-          <a:p>
-            <a:r>
-              <a:rPr lang="en-GB" sz="3600" dirty="0">
-                <a:solidFill>
-                  <a:schemeClr val="bg1"/>
-                </a:solidFill>
-              </a:rPr>
-              <a:t>In the mighty name of Jesus, I know</a:t>
-            </a:r>
-          </a:p>
-          <a:p>
-            <a:r>
-              <a:rPr lang="en-GB" sz="3600" dirty="0">
-                <a:solidFill>
-                  <a:schemeClr val="bg1"/>
-                </a:solidFill>
-              </a:rPr>
-              <a:t>All the power of fear and darkness must go</a:t>
-            </a:r>
-          </a:p>
-          <a:p>
-            <a:r>
-              <a:rPr lang="en-GB" sz="3600" dirty="0" err="1">
-                <a:solidFill>
-                  <a:schemeClr val="bg1"/>
-                </a:solidFill>
-              </a:rPr>
-              <a:t>'Cause</a:t>
-            </a:r>
-            <a:r>
-              <a:rPr lang="en-GB" sz="3600" dirty="0">
-                <a:solidFill>
-                  <a:schemeClr val="bg1"/>
-                </a:solidFill>
-              </a:rPr>
-              <a:t> every key to every victory I hold</a:t>
-            </a:r>
-          </a:p>
-          <a:p>
-            <a:r>
-              <a:rPr lang="en-GB" sz="3600" dirty="0">
-                <a:solidFill>
-                  <a:schemeClr val="bg1"/>
-                </a:solidFill>
-              </a:rPr>
-              <a:t>In the mighty name of Jesus</a:t>
-            </a:r>
           </a:p>
         </p:txBody>
       </p:sp>
@@ -3816,7 +3928,7 @@
                   <a:schemeClr val="bg1"/>
                 </a:solidFill>
               </a:rPr>
-              <a:t>4/6</a:t>
+              <a:t>4/9</a:t>
             </a:r>
           </a:p>
         </p:txBody>
@@ -3835,6 +3947,158 @@
 </file>
 
 <file path=ppt/slides/slide6.xml><?xml version="1.0" encoding="utf-8"?>
+<p:sld xmlns:a="http://schemas.openxmlformats.org/drawingml/2006/main" xmlns:r="http://schemas.openxmlformats.org/officeDocument/2006/relationships" xmlns:p="http://schemas.openxmlformats.org/presentationml/2006/main">
+  <p:cSld>
+    <p:spTree>
+      <p:nvGrpSpPr>
+        <p:cNvPr id="1" name="">
+          <a:extLst>
+            <a:ext uri="{FF2B5EF4-FFF2-40B4-BE49-F238E27FC236}">
+              <a16:creationId xmlns:a16="http://schemas.microsoft.com/office/drawing/2014/main" id="{CB3B737F-C98E-55C9-B617-7380D9A198F8}"/>
+            </a:ext>
+          </a:extLst>
+        </p:cNvPr>
+        <p:cNvGrpSpPr/>
+        <p:nvPr/>
+      </p:nvGrpSpPr>
+      <p:grpSpPr>
+        <a:xfrm>
+          <a:off x="0" y="0"/>
+          <a:ext cx="0" cy="0"/>
+          <a:chOff x="0" y="0"/>
+          <a:chExt cx="0" cy="0"/>
+        </a:xfrm>
+      </p:grpSpPr>
+      <p:sp>
+        <p:nvSpPr>
+          <p:cNvPr id="3" name="Subtitle 2">
+            <a:extLst>
+              <a:ext uri="{FF2B5EF4-FFF2-40B4-BE49-F238E27FC236}">
+                <a16:creationId xmlns:a16="http://schemas.microsoft.com/office/drawing/2014/main" id="{4666E51E-68F4-FD9E-D45A-8B6A68D8FBDA}"/>
+              </a:ext>
+            </a:extLst>
+          </p:cNvPr>
+          <p:cNvSpPr>
+            <a:spLocks noGrp="1"/>
+          </p:cNvSpPr>
+          <p:nvPr>
+            <p:ph type="subTitle" idx="1"/>
+          </p:nvPr>
+        </p:nvSpPr>
+        <p:spPr>
+          <a:xfrm>
+            <a:off x="107504" y="764704"/>
+            <a:ext cx="8640960" cy="6480720"/>
+          </a:xfrm>
+        </p:spPr>
+        <p:txBody>
+          <a:bodyPr>
+            <a:noAutofit/>
+          </a:bodyPr>
+          <a:lstStyle/>
+          <a:p>
+            <a:r>
+              <a:rPr lang="en-GB" sz="3600" dirty="0">
+                <a:solidFill>
+                  <a:schemeClr val="bg1"/>
+                </a:solidFill>
+              </a:rPr>
+              <a:t>In the mighty name of Jesus, I know</a:t>
+            </a:r>
+          </a:p>
+          <a:p>
+            <a:r>
+              <a:rPr lang="en-GB" sz="3600" dirty="0">
+                <a:solidFill>
+                  <a:schemeClr val="bg1"/>
+                </a:solidFill>
+              </a:rPr>
+              <a:t>All the power of fear and darkness must go</a:t>
+            </a:r>
+          </a:p>
+          <a:p>
+            <a:r>
+              <a:rPr lang="en-GB" sz="3600" dirty="0" err="1">
+                <a:solidFill>
+                  <a:schemeClr val="bg1"/>
+                </a:solidFill>
+              </a:rPr>
+              <a:t>'Cause</a:t>
+            </a:r>
+            <a:r>
+              <a:rPr lang="en-GB" sz="3600" dirty="0">
+                <a:solidFill>
+                  <a:schemeClr val="bg1"/>
+                </a:solidFill>
+              </a:rPr>
+              <a:t> every key to every victory I hold</a:t>
+            </a:r>
+          </a:p>
+          <a:p>
+            <a:r>
+              <a:rPr lang="en-GB" sz="3600" dirty="0">
+                <a:solidFill>
+                  <a:schemeClr val="bg1"/>
+                </a:solidFill>
+              </a:rPr>
+              <a:t>In the mighty name of Jesus</a:t>
+            </a:r>
+          </a:p>
+        </p:txBody>
+      </p:sp>
+      <p:sp>
+        <p:nvSpPr>
+          <p:cNvPr id="4" name="TextBox 3">
+            <a:extLst>
+              <a:ext uri="{FF2B5EF4-FFF2-40B4-BE49-F238E27FC236}">
+                <a16:creationId xmlns:a16="http://schemas.microsoft.com/office/drawing/2014/main" id="{9718880E-9585-97EB-ED93-EE4128C421AA}"/>
+              </a:ext>
+            </a:extLst>
+          </p:cNvPr>
+          <p:cNvSpPr txBox="1"/>
+          <p:nvPr/>
+        </p:nvSpPr>
+        <p:spPr>
+          <a:xfrm>
+            <a:off x="8529729" y="0"/>
+            <a:ext cx="628698" cy="461665"/>
+          </a:xfrm>
+          <a:prstGeom prst="rect">
+            <a:avLst/>
+          </a:prstGeom>
+          <a:noFill/>
+        </p:spPr>
+        <p:txBody>
+          <a:bodyPr wrap="none" rtlCol="0">
+            <a:spAutoFit/>
+          </a:bodyPr>
+          <a:lstStyle/>
+          <a:p>
+            <a:r>
+              <a:rPr lang="en-GB" sz="2400" b="1" dirty="0">
+                <a:solidFill>
+                  <a:schemeClr val="bg1"/>
+                </a:solidFill>
+              </a:rPr>
+              <a:t>5/9</a:t>
+            </a:r>
+          </a:p>
+        </p:txBody>
+      </p:sp>
+    </p:spTree>
+    <p:extLst>
+      <p:ext uri="{BB962C8B-B14F-4D97-AF65-F5344CB8AC3E}">
+        <p14:creationId xmlns:p14="http://schemas.microsoft.com/office/powerpoint/2010/main" val="3912473097"/>
+      </p:ext>
+    </p:extLst>
+  </p:cSld>
+  <p:clrMapOvr>
+    <a:masterClrMapping/>
+  </p:clrMapOvr>
+</p:sld>
+</file>
+
+<file path=ppt/slides/slide7.xml><?xml version="1.0" encoding="utf-8"?>
 <p:sld xmlns:a="http://schemas.openxmlformats.org/drawingml/2006/main" xmlns:r="http://schemas.openxmlformats.org/officeDocument/2006/relationships" xmlns:p="http://schemas.openxmlformats.org/presentationml/2006/main">
   <p:cSld>
     <p:spTree>
@@ -3924,46 +4188,6 @@
               <a:t>Is the blood of Jesus Christ</a:t>
             </a:r>
           </a:p>
-          <a:p>
-            <a:r>
-              <a:rPr lang="en-GB" sz="3600" dirty="0">
-                <a:solidFill>
-                  <a:schemeClr val="bg1"/>
-                </a:solidFill>
-              </a:rPr>
-              <a:t>I will not fear I will not fear</a:t>
-            </a:r>
-          </a:p>
-          <a:p>
-            <a:r>
-              <a:rPr lang="en-GB" sz="3600" dirty="0">
-                <a:solidFill>
-                  <a:schemeClr val="bg1"/>
-                </a:solidFill>
-              </a:rPr>
-              <a:t>There's an army of angels here</a:t>
-            </a:r>
-          </a:p>
-          <a:p>
-            <a:r>
-              <a:rPr lang="en-GB" sz="3600" dirty="0">
-                <a:solidFill>
-                  <a:schemeClr val="bg1"/>
-                </a:solidFill>
-              </a:rPr>
-              <a:t>I'm protected on all sides</a:t>
-            </a:r>
-          </a:p>
-          <a:p>
-            <a:r>
-              <a:rPr lang="en-GB" sz="3600" dirty="0">
-                <a:solidFill>
-                  <a:schemeClr val="bg1"/>
-                </a:solidFill>
-              </a:rPr>
-              <a:t>By the blood of Jesus Christ</a:t>
-            </a:r>
-          </a:p>
         </p:txBody>
       </p:sp>
       <p:sp>
@@ -4000,7 +4224,7 @@
                   <a:schemeClr val="bg1"/>
                 </a:solidFill>
               </a:rPr>
-              <a:t>5/6</a:t>
+              <a:t>6/9</a:t>
             </a:r>
           </a:p>
         </p:txBody>
@@ -4018,7 +4242,7 @@
 </p:sld>
 </file>
 
-<file path=ppt/slides/slide7.xml><?xml version="1.0" encoding="utf-8"?>
+<file path=ppt/slides/slide8.xml><?xml version="1.0" encoding="utf-8"?>
 <p:sld xmlns:a="http://schemas.openxmlformats.org/drawingml/2006/main" xmlns:r="http://schemas.openxmlformats.org/officeDocument/2006/relationships" xmlns:p="http://schemas.openxmlformats.org/presentationml/2006/main">
   <p:cSld>
     <p:spTree>
@@ -4026,7 +4250,7 @@
         <p:cNvPr id="1" name="">
           <a:extLst>
             <a:ext uri="{FF2B5EF4-FFF2-40B4-BE49-F238E27FC236}">
-              <a16:creationId xmlns:a16="http://schemas.microsoft.com/office/drawing/2014/main" id="{F739C24A-CF58-3E9D-CA84-478C4514606A}"/>
+              <a16:creationId xmlns:a16="http://schemas.microsoft.com/office/drawing/2014/main" id="{CF56B90E-8448-0AB0-2E43-8CF15469ED9D}"/>
             </a:ext>
           </a:extLst>
         </p:cNvPr>
@@ -4046,7 +4270,7 @@
           <p:cNvPr id="3" name="Subtitle 2">
             <a:extLst>
               <a:ext uri="{FF2B5EF4-FFF2-40B4-BE49-F238E27FC236}">
-                <a16:creationId xmlns:a16="http://schemas.microsoft.com/office/drawing/2014/main" id="{F78CDCB2-E636-58FA-DEF4-E6979F278CB2}"/>
+                <a16:creationId xmlns:a16="http://schemas.microsoft.com/office/drawing/2014/main" id="{182FFBE7-180D-59F3-6E47-6DC629A98AFE}"/>
               </a:ext>
             </a:extLst>
           </p:cNvPr>
@@ -4075,7 +4299,7 @@
                   <a:schemeClr val="bg1"/>
                 </a:solidFill>
               </a:rPr>
-              <a:t>In the mighty name of Jesus, I pray</a:t>
+              <a:t>I will not fear I will not fear</a:t>
             </a:r>
           </a:p>
           <a:p>
@@ -4085,7 +4309,7 @@
                   <a:schemeClr val="bg1"/>
                 </a:solidFill>
               </a:rPr>
-              <a:t>Calling on the power of heaven I proclaim</a:t>
+              <a:t>There's an army of angels here</a:t>
             </a:r>
           </a:p>
           <a:p>
@@ -4095,7 +4319,7 @@
                   <a:schemeClr val="bg1"/>
                 </a:solidFill>
               </a:rPr>
-              <a:t>Every weapon formed against me must break</a:t>
+              <a:t>I'm protected on all sides</a:t>
             </a:r>
           </a:p>
           <a:p>
@@ -4105,67 +4329,7 @@
                   <a:schemeClr val="bg1"/>
                 </a:solidFill>
               </a:rPr>
-              <a:t>In the mighty name of Jesus</a:t>
-            </a:r>
-            <a:br>
-              <a:rPr lang="en-GB" sz="3600" dirty="0">
-                <a:solidFill>
-                  <a:schemeClr val="bg1"/>
-                </a:solidFill>
-              </a:rPr>
-            </a:br>
-            <a:endParaRPr lang="en-GB" sz="3600" dirty="0">
-              <a:solidFill>
-                <a:schemeClr val="bg1"/>
-              </a:solidFill>
-            </a:endParaRPr>
-          </a:p>
-          <a:p>
-            <a:r>
-              <a:rPr lang="en-GB" sz="3600" dirty="0">
-                <a:solidFill>
-                  <a:schemeClr val="bg1"/>
-                </a:solidFill>
-              </a:rPr>
-              <a:t>In the mighty name of Jesus, I know</a:t>
-            </a:r>
-          </a:p>
-          <a:p>
-            <a:r>
-              <a:rPr lang="en-GB" sz="3600" dirty="0">
-                <a:solidFill>
-                  <a:schemeClr val="bg1"/>
-                </a:solidFill>
-              </a:rPr>
-              <a:t>All the power of fear and darkness must go</a:t>
-            </a:r>
-          </a:p>
-          <a:p>
-            <a:r>
-              <a:rPr lang="en-GB" sz="3600" dirty="0" err="1">
-                <a:solidFill>
-                  <a:schemeClr val="bg1"/>
-                </a:solidFill>
-              </a:rPr>
-              <a:t>'Cause</a:t>
-            </a:r>
-            <a:r>
-              <a:rPr lang="en-GB" sz="3600" dirty="0">
-                <a:solidFill>
-                  <a:schemeClr val="bg1"/>
-                </a:solidFill>
-              </a:rPr>
-              <a:t> every key to every victory I hold</a:t>
-            </a:r>
-          </a:p>
-          <a:p>
-            <a:r>
-              <a:rPr lang="en-GB" sz="3600" dirty="0">
-                <a:solidFill>
-                  <a:schemeClr val="bg1"/>
-                </a:solidFill>
-              </a:rPr>
-              <a:t>In the mighty name of Jesus</a:t>
+              <a:t>By the blood of Jesus Christ</a:t>
             </a:r>
           </a:p>
         </p:txBody>
@@ -4175,7 +4339,7 @@
           <p:cNvPr id="4" name="TextBox 3">
             <a:extLst>
               <a:ext uri="{FF2B5EF4-FFF2-40B4-BE49-F238E27FC236}">
-                <a16:creationId xmlns:a16="http://schemas.microsoft.com/office/drawing/2014/main" id="{00D24E48-B058-5B7C-473E-50083342B70B}"/>
+                <a16:creationId xmlns:a16="http://schemas.microsoft.com/office/drawing/2014/main" id="{EC5194FF-98DC-27CE-88B6-B861AEB9AB73}"/>
               </a:ext>
             </a:extLst>
           </p:cNvPr>
@@ -4204,7 +4368,7 @@
                   <a:schemeClr val="bg1"/>
                 </a:solidFill>
               </a:rPr>
-              <a:t>6/6</a:t>
+              <a:t>7/9</a:t>
             </a:r>
           </a:p>
         </p:txBody>
@@ -4212,7 +4376,151 @@
     </p:spTree>
     <p:extLst>
       <p:ext uri="{BB962C8B-B14F-4D97-AF65-F5344CB8AC3E}">
-        <p14:creationId xmlns:p14="http://schemas.microsoft.com/office/powerpoint/2010/main" val="1500254977"/>
+        <p14:creationId xmlns:p14="http://schemas.microsoft.com/office/powerpoint/2010/main" val="2504908863"/>
+      </p:ext>
+    </p:extLst>
+  </p:cSld>
+  <p:clrMapOvr>
+    <a:masterClrMapping/>
+  </p:clrMapOvr>
+</p:sld>
+</file>
+
+<file path=ppt/slides/slide9.xml><?xml version="1.0" encoding="utf-8"?>
+<p:sld xmlns:a="http://schemas.openxmlformats.org/drawingml/2006/main" xmlns:r="http://schemas.openxmlformats.org/officeDocument/2006/relationships" xmlns:p="http://schemas.openxmlformats.org/presentationml/2006/main">
+  <p:cSld>
+    <p:spTree>
+      <p:nvGrpSpPr>
+        <p:cNvPr id="1" name="">
+          <a:extLst>
+            <a:ext uri="{FF2B5EF4-FFF2-40B4-BE49-F238E27FC236}">
+              <a16:creationId xmlns:a16="http://schemas.microsoft.com/office/drawing/2014/main" id="{66437BFD-F923-8FF9-0FF3-C718E984D3F1}"/>
+            </a:ext>
+          </a:extLst>
+        </p:cNvPr>
+        <p:cNvGrpSpPr/>
+        <p:nvPr/>
+      </p:nvGrpSpPr>
+      <p:grpSpPr>
+        <a:xfrm>
+          <a:off x="0" y="0"/>
+          <a:ext cx="0" cy="0"/>
+          <a:chOff x="0" y="0"/>
+          <a:chExt cx="0" cy="0"/>
+        </a:xfrm>
+      </p:grpSpPr>
+      <p:sp>
+        <p:nvSpPr>
+          <p:cNvPr id="3" name="Subtitle 2">
+            <a:extLst>
+              <a:ext uri="{FF2B5EF4-FFF2-40B4-BE49-F238E27FC236}">
+                <a16:creationId xmlns:a16="http://schemas.microsoft.com/office/drawing/2014/main" id="{20389703-464A-F343-9F4D-4599236DD85B}"/>
+              </a:ext>
+            </a:extLst>
+          </p:cNvPr>
+          <p:cNvSpPr>
+            <a:spLocks noGrp="1"/>
+          </p:cNvSpPr>
+          <p:nvPr>
+            <p:ph type="subTitle" idx="1"/>
+          </p:nvPr>
+        </p:nvSpPr>
+        <p:spPr>
+          <a:xfrm>
+            <a:off x="107504" y="764704"/>
+            <a:ext cx="8640960" cy="6480720"/>
+          </a:xfrm>
+        </p:spPr>
+        <p:txBody>
+          <a:bodyPr>
+            <a:noAutofit/>
+          </a:bodyPr>
+          <a:lstStyle/>
+          <a:p>
+            <a:r>
+              <a:rPr lang="en-GB" sz="3600" dirty="0">
+                <a:solidFill>
+                  <a:schemeClr val="bg1"/>
+                </a:solidFill>
+              </a:rPr>
+              <a:t>In the mighty name of Jesus, I pray</a:t>
+            </a:r>
+          </a:p>
+          <a:p>
+            <a:r>
+              <a:rPr lang="en-GB" sz="3600" dirty="0">
+                <a:solidFill>
+                  <a:schemeClr val="bg1"/>
+                </a:solidFill>
+              </a:rPr>
+              <a:t>Calling on the power of heaven I proclaim</a:t>
+            </a:r>
+          </a:p>
+          <a:p>
+            <a:r>
+              <a:rPr lang="en-GB" sz="3600" dirty="0">
+                <a:solidFill>
+                  <a:schemeClr val="bg1"/>
+                </a:solidFill>
+              </a:rPr>
+              <a:t>Every weapon formed against me must break</a:t>
+            </a:r>
+          </a:p>
+          <a:p>
+            <a:r>
+              <a:rPr lang="en-GB" sz="3600" dirty="0">
+                <a:solidFill>
+                  <a:schemeClr val="bg1"/>
+                </a:solidFill>
+              </a:rPr>
+              <a:t>In the mighty name of Jesus</a:t>
+            </a:r>
+          </a:p>
+        </p:txBody>
+      </p:sp>
+      <p:sp>
+        <p:nvSpPr>
+          <p:cNvPr id="4" name="TextBox 3">
+            <a:extLst>
+              <a:ext uri="{FF2B5EF4-FFF2-40B4-BE49-F238E27FC236}">
+                <a16:creationId xmlns:a16="http://schemas.microsoft.com/office/drawing/2014/main" id="{DBD8A164-826A-38AF-0EDD-175454E5BFF7}"/>
+              </a:ext>
+            </a:extLst>
+          </p:cNvPr>
+          <p:cNvSpPr txBox="1"/>
+          <p:nvPr/>
+        </p:nvSpPr>
+        <p:spPr>
+          <a:xfrm>
+            <a:off x="8529729" y="0"/>
+            <a:ext cx="628698" cy="461665"/>
+          </a:xfrm>
+          <a:prstGeom prst="rect">
+            <a:avLst/>
+          </a:prstGeom>
+          <a:noFill/>
+        </p:spPr>
+        <p:txBody>
+          <a:bodyPr wrap="none" rtlCol="0">
+            <a:spAutoFit/>
+          </a:bodyPr>
+          <a:lstStyle/>
+          <a:p>
+            <a:r>
+              <a:rPr lang="en-GB" sz="2400" b="1" dirty="0">
+                <a:solidFill>
+                  <a:schemeClr val="bg1"/>
+                </a:solidFill>
+              </a:rPr>
+              <a:t>8/9</a:t>
+            </a:r>
+          </a:p>
+        </p:txBody>
+      </p:sp>
+    </p:spTree>
+    <p:extLst>
+      <p:ext uri="{BB962C8B-B14F-4D97-AF65-F5344CB8AC3E}">
+        <p14:creationId xmlns:p14="http://schemas.microsoft.com/office/powerpoint/2010/main" val="3791119044"/>
       </p:ext>
     </p:extLst>
   </p:cSld>
